--- a/public/uploads/slides/ppt/Values Cartouche.pptx
+++ b/public/uploads/slides/ppt/Values Cartouche.pptx
@@ -23,28 +23,28 @@
   <p:notesSz cx="6858000" cy="9144000"/>
   <p:embeddedFontLst>
     <p:embeddedFont>
-      <p:font typeface="Montserrat Bold" pitchFamily="2" charset="77"/>
+      <p:font typeface="Montserrat Bold" panose="00000800000000000000" pitchFamily="2" charset="0"/>
       <p:bold r:id="rId13"/>
       <p:italic r:id="rId14"/>
       <p:boldItalic r:id="rId15"/>
     </p:embeddedFont>
     <p:embeddedFont>
-      <p:font typeface="Montserrat Medium" pitchFamily="2" charset="77"/>
+      <p:font typeface="Montserrat Medium" panose="00000600000000000000" pitchFamily="2" charset="0"/>
       <p:regular r:id="rId16"/>
       <p:italic r:id="rId17"/>
     </p:embeddedFont>
     <p:embeddedFont>
-      <p:font typeface="Montserrat-BoldItalic" pitchFamily="2" charset="77"/>
+      <p:font typeface="Montserrat-BoldItalic" panose="020B0604020202020204" charset="0"/>
       <p:bold r:id="rId18"/>
       <p:italic r:id="rId19"/>
       <p:boldItalic r:id="rId20"/>
     </p:embeddedFont>
     <p:embeddedFont>
-      <p:font typeface="Montserrat-Italic" pitchFamily="2" charset="77"/>
+      <p:font typeface="Montserrat-Italic" panose="020B0604020202020204" charset="0"/>
       <p:italic r:id="rId21"/>
     </p:embeddedFont>
     <p:embeddedFont>
-      <p:font typeface="Tw Cen MT" panose="020B0602020104020603" pitchFamily="34" charset="77"/>
+      <p:font typeface="Tw Cen MT" panose="020B0602020104020603" pitchFamily="34" charset="0"/>
       <p:regular r:id="rId22"/>
       <p:bold r:id="rId23"/>
       <p:italic r:id="rId24"/>
@@ -355,6 +355,35 @@
     </p:ext>
   </p:extLst>
 </p:presentation>
+</file>
+
+<file path=ppt/changesInfos/changesInfo1.xml><?xml version="1.0" encoding="utf-8"?>
+<pc:chgInfo xmlns:a="http://schemas.openxmlformats.org/drawingml/2006/main" xmlns:r="http://schemas.openxmlformats.org/officeDocument/2006/relationships" xmlns:ac="http://schemas.microsoft.com/office/drawing/2013/main/command" xmlns:pc="http://schemas.microsoft.com/office/powerpoint/2013/main/command">
+  <pc:docChgLst>
+    <pc:chgData name="Rob Dongas" userId="a13f57a55dbce168" providerId="LiveId" clId="{B71F5E36-6E09-45BC-86B4-0D38960D857A}"/>
+    <pc:docChg chg="undo custSel modSld">
+      <pc:chgData name="Rob Dongas" userId="a13f57a55dbce168" providerId="LiveId" clId="{B71F5E36-6E09-45BC-86B4-0D38960D857A}" dt="2021-02-04T23:58:48.456" v="2" actId="6549"/>
+      <pc:docMkLst>
+        <pc:docMk/>
+      </pc:docMkLst>
+      <pc:sldChg chg="modSp mod">
+        <pc:chgData name="Rob Dongas" userId="a13f57a55dbce168" providerId="LiveId" clId="{B71F5E36-6E09-45BC-86B4-0D38960D857A}" dt="2021-02-04T23:58:48.456" v="2" actId="6549"/>
+        <pc:sldMkLst>
+          <pc:docMk/>
+          <pc:sldMk cId="0" sldId="256"/>
+        </pc:sldMkLst>
+        <pc:spChg chg="mod">
+          <ac:chgData name="Rob Dongas" userId="a13f57a55dbce168" providerId="LiveId" clId="{B71F5E36-6E09-45BC-86B4-0D38960D857A}" dt="2021-02-04T23:58:48.456" v="2" actId="6549"/>
+          <ac:spMkLst>
+            <pc:docMk/>
+            <pc:sldMk cId="0" sldId="256"/>
+            <ac:spMk id="127" creationId="{00000000-0000-0000-0000-000000000000}"/>
+          </ac:spMkLst>
+        </pc:spChg>
+      </pc:sldChg>
+    </pc:docChg>
+  </pc:docChgLst>
+</pc:chgInfo>
 </file>
 
 <file path=ppt/notesMasters/notesMaster1.xml><?xml version="1.0" encoding="utf-8"?>
@@ -3182,9 +3211,9 @@
         <p:grpSpPr>
           <a:xfrm>
             <a:off x="-35450" y="-70391"/>
-            <a:ext cx="24454900" cy="13335317"/>
+            <a:ext cx="24454900" cy="13053366"/>
             <a:chOff x="-35450" y="-70391"/>
-            <a:chExt cx="24454900" cy="13335317"/>
+            <a:chExt cx="24454900" cy="13053366"/>
           </a:xfrm>
         </p:grpSpPr>
         <p:sp>
@@ -3323,94 +3352,6 @@
                 </a:defRPr>
               </a:pPr>
               <a:endParaRPr/>
-            </a:p>
-          </p:txBody>
-        </p:sp>
-        <p:sp>
-          <p:nvSpPr>
-            <p:cNvPr id="123" name="Shape 123"/>
-            <p:cNvSpPr/>
-            <p:nvPr/>
-          </p:nvSpPr>
-          <p:spPr>
-            <a:xfrm>
-              <a:off x="15730998" y="12505104"/>
-              <a:ext cx="8133636" cy="759822"/>
-            </a:xfrm>
-            <a:prstGeom prst="rect">
-              <a:avLst/>
-            </a:prstGeom>
-            <a:ln w="12700">
-              <a:miter lim="400000"/>
-            </a:ln>
-            <a:extLst>
-              <a:ext uri="{C572A759-6A51-4108-AA02-DFA0A04FC94B}">
-                <ma14:wrappingTextBoxFlag xmlns:ma14="http://schemas.microsoft.com/office/mac/drawingml/2011/main" xmlns="" val="1"/>
-              </a:ext>
-            </a:extLst>
-          </p:spPr>
-          <p:txBody>
-            <a:bodyPr wrap="none" lIns="71437" tIns="71437" rIns="71437" bIns="71437" anchor="ctr">
-              <a:spAutoFit/>
-            </a:bodyPr>
-            <a:lstStyle/>
-            <a:p>
-              <a:pPr algn="r">
-                <a:defRPr sz="2000" b="0">
-                  <a:solidFill>
-                    <a:srgbClr val="919191"/>
-                  </a:solidFill>
-                  <a:latin typeface="Montserrat Medium"/>
-                  <a:ea typeface="Montserrat Medium"/>
-                  <a:cs typeface="Montserrat Medium"/>
-                  <a:sym typeface="Montserrat Medium"/>
-                </a:defRPr>
-              </a:pPr>
-              <a:r>
-                <a:rPr lang="en-AU" dirty="0"/>
-                <a:t>Image Attribution: </a:t>
-              </a:r>
-              <a:r>
-                <a:rPr lang="en-AU" dirty="0" err="1"/>
-                <a:t>Glodi</a:t>
-              </a:r>
-              <a:r>
-                <a:rPr lang="en-AU" dirty="0"/>
-                <a:t> </a:t>
-              </a:r>
-              <a:r>
-                <a:rPr lang="en-AU" dirty="0" err="1"/>
-                <a:t>Miessi</a:t>
-              </a:r>
-              <a:r>
-                <a:rPr lang="en-AU" dirty="0"/>
-                <a:t>, https://</a:t>
-              </a:r>
-              <a:r>
-                <a:rPr lang="en-AU" dirty="0" err="1"/>
-                <a:t>unsplash.com</a:t>
-              </a:r>
-              <a:r>
-                <a:rPr lang="en-AU" dirty="0"/>
-                <a:t>/photos/</a:t>
-              </a:r>
-            </a:p>
-            <a:p>
-              <a:pPr algn="r">
-                <a:defRPr sz="2000" b="0">
-                  <a:solidFill>
-                    <a:srgbClr val="919191"/>
-                  </a:solidFill>
-                  <a:latin typeface="Montserrat Medium"/>
-                  <a:ea typeface="Montserrat Medium"/>
-                  <a:cs typeface="Montserrat Medium"/>
-                  <a:sym typeface="Montserrat Medium"/>
-                </a:defRPr>
-              </a:pPr>
-              <a:r>
-                <a:rPr lang="en-AU" dirty="0"/>
-                <a:t>AEDL5tCjnFQ</a:t>
-              </a:r>
             </a:p>
           </p:txBody>
         </p:sp>
@@ -3621,8 +3562,11 @@
               </a:pPr>
               <a:r>
                 <a:rPr lang="en-AU" dirty="0"/>
-                <a:t>Visualising values to inform  -</a:t>
+                <a:t>Visualising values to </a:t>
+              </a:r>
+              <a:r>
+                <a:rPr lang="en-AU"/>
+                <a:t>inform </a:t>
               </a:r>
               <a:br>
                 <a:rPr lang="en-AU" dirty="0"/>
@@ -3801,6 +3745,83 @@
           </p:txBody>
         </p:sp>
       </p:grpSp>
+      <p:sp>
+        <p:nvSpPr>
+          <p:cNvPr id="15" name="Shape 123">
+            <a:extLst>
+              <a:ext uri="{FF2B5EF4-FFF2-40B4-BE49-F238E27FC236}">
+                <a16:creationId xmlns:a16="http://schemas.microsoft.com/office/drawing/2014/main" id="{0309197D-0F15-2B47-AECF-C207E3AD6212}"/>
+              </a:ext>
+            </a:extLst>
+          </p:cNvPr>
+          <p:cNvSpPr/>
+          <p:nvPr/>
+        </p:nvSpPr>
+        <p:spPr>
+          <a:xfrm>
+            <a:off x="13901560" y="12762299"/>
+            <a:ext cx="14450370" cy="452046"/>
+          </a:xfrm>
+          <a:prstGeom prst="rect">
+            <a:avLst/>
+          </a:prstGeom>
+          <a:ln w="12700">
+            <a:miter lim="400000"/>
+          </a:ln>
+          <a:extLst>
+            <a:ext uri="{C572A759-6A51-4108-AA02-DFA0A04FC94B}">
+              <ma14:wrappingTextBoxFlag xmlns:ma14="http://schemas.microsoft.com/office/mac/drawingml/2011/main" xmlns="" val="1"/>
+            </a:ext>
+          </a:extLst>
+        </p:spPr>
+        <p:txBody>
+          <a:bodyPr wrap="square" lIns="71437" tIns="71437" rIns="71437" bIns="71437" anchor="ctr">
+            <a:spAutoFit/>
+          </a:bodyPr>
+          <a:lstStyle/>
+          <a:p>
+            <a:pPr algn="just">
+              <a:defRPr sz="2000" b="0">
+                <a:solidFill>
+                  <a:srgbClr val="919191"/>
+                </a:solidFill>
+                <a:latin typeface="Montserrat Medium"/>
+                <a:ea typeface="Montserrat Medium"/>
+                <a:cs typeface="Montserrat Medium"/>
+                <a:sym typeface="Montserrat Medium"/>
+              </a:defRPr>
+            </a:pPr>
+            <a:r>
+              <a:rPr lang="en-AU" dirty="0"/>
+              <a:t>Image Attribution: </a:t>
+            </a:r>
+            <a:r>
+              <a:rPr lang="en-AU" dirty="0" err="1"/>
+              <a:t>Glodi</a:t>
+            </a:r>
+            <a:r>
+              <a:rPr lang="en-AU" dirty="0"/>
+              <a:t> </a:t>
+            </a:r>
+            <a:r>
+              <a:rPr lang="en-AU" dirty="0" err="1"/>
+              <a:t>Miessi</a:t>
+            </a:r>
+            <a:r>
+              <a:rPr lang="en-AU" dirty="0"/>
+              <a:t>, https://</a:t>
+            </a:r>
+            <a:r>
+              <a:rPr lang="en-AU" dirty="0" err="1"/>
+              <a:t>unsplash.com</a:t>
+            </a:r>
+            <a:r>
+              <a:rPr lang="en-AU" dirty="0"/>
+              <a:t>/photos/AEDL5tCjnFQ</a:t>
+            </a:r>
+          </a:p>
+        </p:txBody>
+      </p:sp>
     </p:spTree>
   </p:cSld>
   <p:clrMapOvr>
@@ -6349,10 +6370,10 @@
       </p:grpSp>
       <p:sp>
         <p:nvSpPr>
-          <p:cNvPr id="34" name="Shape 123">
+          <p:cNvPr id="33" name="Shape 123">
             <a:extLst>
               <a:ext uri="{FF2B5EF4-FFF2-40B4-BE49-F238E27FC236}">
-                <a16:creationId xmlns:a16="http://schemas.microsoft.com/office/drawing/2014/main" id="{9644E759-7563-D34F-8E62-C9254A27D373}"/>
+                <a16:creationId xmlns:a16="http://schemas.microsoft.com/office/drawing/2014/main" id="{ACD583D2-F7F7-1A4A-85ED-5F814C50F512}"/>
               </a:ext>
             </a:extLst>
           </p:cNvPr>
@@ -6361,8 +6382,8 @@
         </p:nvSpPr>
         <p:spPr>
           <a:xfrm>
-            <a:off x="15730998" y="12505104"/>
-            <a:ext cx="8133636" cy="759822"/>
+            <a:off x="13901560" y="12762299"/>
+            <a:ext cx="14450370" cy="452046"/>
           </a:xfrm>
           <a:prstGeom prst="rect">
             <a:avLst/>
@@ -6377,12 +6398,12 @@
           </a:extLst>
         </p:spPr>
         <p:txBody>
-          <a:bodyPr wrap="none" lIns="71437" tIns="71437" rIns="71437" bIns="71437" anchor="ctr">
+          <a:bodyPr wrap="square" lIns="71437" tIns="71437" rIns="71437" bIns="71437" anchor="ctr">
             <a:spAutoFit/>
           </a:bodyPr>
           <a:lstStyle/>
           <a:p>
-            <a:pPr algn="r">
+            <a:pPr algn="just">
               <a:defRPr sz="2000" b="0">
                 <a:solidFill>
                   <a:srgbClr val="919191"/>
@@ -6419,24 +6440,7 @@
             </a:r>
             <a:r>
               <a:rPr lang="en-AU" dirty="0"/>
-              <a:t>/photos/</a:t>
-            </a:r>
-          </a:p>
-          <a:p>
-            <a:pPr algn="r">
-              <a:defRPr sz="2000" b="0">
-                <a:solidFill>
-                  <a:srgbClr val="919191"/>
-                </a:solidFill>
-                <a:latin typeface="Montserrat Medium"/>
-                <a:ea typeface="Montserrat Medium"/>
-                <a:cs typeface="Montserrat Medium"/>
-                <a:sym typeface="Montserrat Medium"/>
-              </a:defRPr>
-            </a:pPr>
-            <a:r>
-              <a:rPr lang="en-AU" dirty="0"/>
-              <a:t>AEDL5tCjnFQ</a:t>
+              <a:t>/photos/AEDL5tCjnFQ</a:t>
             </a:r>
           </a:p>
         </p:txBody>
@@ -8106,10 +8110,10 @@
       </p:grpSp>
       <p:sp>
         <p:nvSpPr>
-          <p:cNvPr id="34" name="Shape 123">
+          <p:cNvPr id="36" name="Shape 123">
             <a:extLst>
               <a:ext uri="{FF2B5EF4-FFF2-40B4-BE49-F238E27FC236}">
-                <a16:creationId xmlns:a16="http://schemas.microsoft.com/office/drawing/2014/main" id="{9644E759-7563-D34F-8E62-C9254A27D373}"/>
+                <a16:creationId xmlns:a16="http://schemas.microsoft.com/office/drawing/2014/main" id="{825DD3B8-6A2F-8E49-8EE7-5A2712D3471B}"/>
               </a:ext>
             </a:extLst>
           </p:cNvPr>
@@ -8118,8 +8122,8 @@
         </p:nvSpPr>
         <p:spPr>
           <a:xfrm>
-            <a:off x="15730998" y="12505104"/>
-            <a:ext cx="8133636" cy="759822"/>
+            <a:off x="13901560" y="12762299"/>
+            <a:ext cx="14450370" cy="452046"/>
           </a:xfrm>
           <a:prstGeom prst="rect">
             <a:avLst/>
@@ -8129,17 +8133,17 @@
           </a:ln>
           <a:extLst>
             <a:ext uri="{C572A759-6A51-4108-AA02-DFA0A04FC94B}">
-              <ma14:wrappingTextBoxFlag xmlns="" xmlns:ma14="http://schemas.microsoft.com/office/mac/drawingml/2011/main" val="1"/>
+              <ma14:wrappingTextBoxFlag xmlns:ma14="http://schemas.microsoft.com/office/mac/drawingml/2011/main" xmlns="" val="1"/>
             </a:ext>
           </a:extLst>
         </p:spPr>
         <p:txBody>
-          <a:bodyPr wrap="none" lIns="71437" tIns="71437" rIns="71437" bIns="71437" anchor="ctr">
+          <a:bodyPr wrap="square" lIns="71437" tIns="71437" rIns="71437" bIns="71437" anchor="ctr">
             <a:spAutoFit/>
           </a:bodyPr>
           <a:lstStyle/>
           <a:p>
-            <a:pPr algn="r">
+            <a:pPr algn="just">
               <a:defRPr sz="2000" b="0">
                 <a:solidFill>
                   <a:srgbClr val="919191"/>
@@ -8176,24 +8180,7 @@
             </a:r>
             <a:r>
               <a:rPr lang="en-AU" dirty="0"/>
-              <a:t>/photos/</a:t>
-            </a:r>
-          </a:p>
-          <a:p>
-            <a:pPr algn="r">
-              <a:defRPr sz="2000" b="0">
-                <a:solidFill>
-                  <a:srgbClr val="919191"/>
-                </a:solidFill>
-                <a:latin typeface="Montserrat Medium"/>
-                <a:ea typeface="Montserrat Medium"/>
-                <a:cs typeface="Montserrat Medium"/>
-                <a:sym typeface="Montserrat Medium"/>
-              </a:defRPr>
-            </a:pPr>
-            <a:r>
-              <a:rPr lang="en-AU" dirty="0"/>
-              <a:t>AEDL5tCjnFQ</a:t>
+              <a:t>/photos/AEDL5tCjnFQ</a:t>
             </a:r>
           </a:p>
         </p:txBody>
@@ -9868,10 +9855,10 @@
       </p:grpSp>
       <p:sp>
         <p:nvSpPr>
-          <p:cNvPr id="34" name="Shape 123">
+          <p:cNvPr id="33" name="Shape 123">
             <a:extLst>
               <a:ext uri="{FF2B5EF4-FFF2-40B4-BE49-F238E27FC236}">
-                <a16:creationId xmlns:a16="http://schemas.microsoft.com/office/drawing/2014/main" id="{9644E759-7563-D34F-8E62-C9254A27D373}"/>
+                <a16:creationId xmlns:a16="http://schemas.microsoft.com/office/drawing/2014/main" id="{26A604FE-17F5-AA47-B881-559FAA9EA7E4}"/>
               </a:ext>
             </a:extLst>
           </p:cNvPr>
@@ -9880,8 +9867,8 @@
         </p:nvSpPr>
         <p:spPr>
           <a:xfrm>
-            <a:off x="15730998" y="12505104"/>
-            <a:ext cx="8133636" cy="759822"/>
+            <a:off x="13901560" y="12762299"/>
+            <a:ext cx="14450370" cy="452046"/>
           </a:xfrm>
           <a:prstGeom prst="rect">
             <a:avLst/>
@@ -9896,12 +9883,12 @@
           </a:extLst>
         </p:spPr>
         <p:txBody>
-          <a:bodyPr wrap="none" lIns="71437" tIns="71437" rIns="71437" bIns="71437" anchor="ctr">
+          <a:bodyPr wrap="square" lIns="71437" tIns="71437" rIns="71437" bIns="71437" anchor="ctr">
             <a:spAutoFit/>
           </a:bodyPr>
           <a:lstStyle/>
           <a:p>
-            <a:pPr algn="r">
+            <a:pPr algn="just">
               <a:defRPr sz="2000" b="0">
                 <a:solidFill>
                   <a:srgbClr val="919191"/>
@@ -9938,24 +9925,7 @@
             </a:r>
             <a:r>
               <a:rPr lang="en-AU" dirty="0"/>
-              <a:t>/photos/</a:t>
-            </a:r>
-          </a:p>
-          <a:p>
-            <a:pPr algn="r">
-              <a:defRPr sz="2000" b="0">
-                <a:solidFill>
-                  <a:srgbClr val="919191"/>
-                </a:solidFill>
-                <a:latin typeface="Montserrat Medium"/>
-                <a:ea typeface="Montserrat Medium"/>
-                <a:cs typeface="Montserrat Medium"/>
-                <a:sym typeface="Montserrat Medium"/>
-              </a:defRPr>
-            </a:pPr>
-            <a:r>
-              <a:rPr lang="en-AU" dirty="0"/>
-              <a:t>AEDL5tCjnFQ</a:t>
+              <a:t>/photos/AEDL5tCjnFQ</a:t>
             </a:r>
           </a:p>
         </p:txBody>
@@ -9991,6 +9961,83 @@
           <a:chExt cx="0" cy="0"/>
         </a:xfrm>
       </p:grpSpPr>
+      <p:sp>
+        <p:nvSpPr>
+          <p:cNvPr id="36" name="Shape 123">
+            <a:extLst>
+              <a:ext uri="{FF2B5EF4-FFF2-40B4-BE49-F238E27FC236}">
+                <a16:creationId xmlns:a16="http://schemas.microsoft.com/office/drawing/2014/main" id="{E0ACED17-075B-E04D-B74C-5F859497DE5A}"/>
+              </a:ext>
+            </a:extLst>
+          </p:cNvPr>
+          <p:cNvSpPr/>
+          <p:nvPr/>
+        </p:nvSpPr>
+        <p:spPr>
+          <a:xfrm>
+            <a:off x="13901560" y="12762299"/>
+            <a:ext cx="14450370" cy="452046"/>
+          </a:xfrm>
+          <a:prstGeom prst="rect">
+            <a:avLst/>
+          </a:prstGeom>
+          <a:ln w="12700">
+            <a:miter lim="400000"/>
+          </a:ln>
+          <a:extLst>
+            <a:ext uri="{C572A759-6A51-4108-AA02-DFA0A04FC94B}">
+              <ma14:wrappingTextBoxFlag xmlns:ma14="http://schemas.microsoft.com/office/mac/drawingml/2011/main" xmlns="" val="1"/>
+            </a:ext>
+          </a:extLst>
+        </p:spPr>
+        <p:txBody>
+          <a:bodyPr wrap="square" lIns="71437" tIns="71437" rIns="71437" bIns="71437" anchor="ctr">
+            <a:spAutoFit/>
+          </a:bodyPr>
+          <a:lstStyle/>
+          <a:p>
+            <a:pPr algn="just">
+              <a:defRPr sz="2000" b="0">
+                <a:solidFill>
+                  <a:srgbClr val="919191"/>
+                </a:solidFill>
+                <a:latin typeface="Montserrat Medium"/>
+                <a:ea typeface="Montserrat Medium"/>
+                <a:cs typeface="Montserrat Medium"/>
+                <a:sym typeface="Montserrat Medium"/>
+              </a:defRPr>
+            </a:pPr>
+            <a:r>
+              <a:rPr lang="en-AU" dirty="0"/>
+              <a:t>Image Attribution: </a:t>
+            </a:r>
+            <a:r>
+              <a:rPr lang="en-AU" dirty="0" err="1"/>
+              <a:t>Glodi</a:t>
+            </a:r>
+            <a:r>
+              <a:rPr lang="en-AU" dirty="0"/>
+              <a:t> </a:t>
+            </a:r>
+            <a:r>
+              <a:rPr lang="en-AU" dirty="0" err="1"/>
+              <a:t>Miessi</a:t>
+            </a:r>
+            <a:r>
+              <a:rPr lang="en-AU" dirty="0"/>
+              <a:t>, https://</a:t>
+            </a:r>
+            <a:r>
+              <a:rPr lang="en-AU" dirty="0" err="1"/>
+              <a:t>unsplash.com</a:t>
+            </a:r>
+            <a:r>
+              <a:rPr lang="en-AU" dirty="0"/>
+              <a:t>/photos/AEDL5tCjnFQ</a:t>
+            </a:r>
+          </a:p>
+        </p:txBody>
+      </p:sp>
       <p:pic>
         <p:nvPicPr>
           <p:cNvPr id="35" name="Picture 34">
@@ -11629,100 +11676,6 @@
           </p:txBody>
         </p:sp>
       </p:grpSp>
-      <p:sp>
-        <p:nvSpPr>
-          <p:cNvPr id="34" name="Shape 123">
-            <a:extLst>
-              <a:ext uri="{FF2B5EF4-FFF2-40B4-BE49-F238E27FC236}">
-                <a16:creationId xmlns:a16="http://schemas.microsoft.com/office/drawing/2014/main" id="{9644E759-7563-D34F-8E62-C9254A27D373}"/>
-              </a:ext>
-            </a:extLst>
-          </p:cNvPr>
-          <p:cNvSpPr/>
-          <p:nvPr/>
-        </p:nvSpPr>
-        <p:spPr>
-          <a:xfrm>
-            <a:off x="15730998" y="12505104"/>
-            <a:ext cx="8133636" cy="759822"/>
-          </a:xfrm>
-          <a:prstGeom prst="rect">
-            <a:avLst/>
-          </a:prstGeom>
-          <a:ln w="12700">
-            <a:miter lim="400000"/>
-          </a:ln>
-          <a:extLst>
-            <a:ext uri="{C572A759-6A51-4108-AA02-DFA0A04FC94B}">
-              <ma14:wrappingTextBoxFlag xmlns="" xmlns:ma14="http://schemas.microsoft.com/office/mac/drawingml/2011/main" val="1"/>
-            </a:ext>
-          </a:extLst>
-        </p:spPr>
-        <p:txBody>
-          <a:bodyPr wrap="none" lIns="71437" tIns="71437" rIns="71437" bIns="71437" anchor="ctr">
-            <a:spAutoFit/>
-          </a:bodyPr>
-          <a:lstStyle/>
-          <a:p>
-            <a:pPr algn="r">
-              <a:defRPr sz="2000" b="0">
-                <a:solidFill>
-                  <a:srgbClr val="919191"/>
-                </a:solidFill>
-                <a:latin typeface="Montserrat Medium"/>
-                <a:ea typeface="Montserrat Medium"/>
-                <a:cs typeface="Montserrat Medium"/>
-                <a:sym typeface="Montserrat Medium"/>
-              </a:defRPr>
-            </a:pPr>
-            <a:r>
-              <a:rPr lang="en-AU" dirty="0"/>
-              <a:t>Image Attribution: </a:t>
-            </a:r>
-            <a:r>
-              <a:rPr lang="en-AU" dirty="0" err="1"/>
-              <a:t>Glodi</a:t>
-            </a:r>
-            <a:r>
-              <a:rPr lang="en-AU" dirty="0"/>
-              <a:t> </a:t>
-            </a:r>
-            <a:r>
-              <a:rPr lang="en-AU" dirty="0" err="1"/>
-              <a:t>Miessi</a:t>
-            </a:r>
-            <a:r>
-              <a:rPr lang="en-AU" dirty="0"/>
-              <a:t>, https://</a:t>
-            </a:r>
-            <a:r>
-              <a:rPr lang="en-AU" dirty="0" err="1"/>
-              <a:t>unsplash.com</a:t>
-            </a:r>
-            <a:r>
-              <a:rPr lang="en-AU" dirty="0"/>
-              <a:t>/photos/</a:t>
-            </a:r>
-          </a:p>
-          <a:p>
-            <a:pPr algn="r">
-              <a:defRPr sz="2000" b="0">
-                <a:solidFill>
-                  <a:srgbClr val="919191"/>
-                </a:solidFill>
-                <a:latin typeface="Montserrat Medium"/>
-                <a:ea typeface="Montserrat Medium"/>
-                <a:cs typeface="Montserrat Medium"/>
-                <a:sym typeface="Montserrat Medium"/>
-              </a:defRPr>
-            </a:pPr>
-            <a:r>
-              <a:rPr lang="en-AU" dirty="0"/>
-              <a:t>AEDL5tCjnFQ</a:t>
-            </a:r>
-          </a:p>
-        </p:txBody>
-      </p:sp>
     </p:spTree>
     <p:extLst>
       <p:ext uri="{BB962C8B-B14F-4D97-AF65-F5344CB8AC3E}">
@@ -11754,6 +11707,83 @@
           <a:chExt cx="0" cy="0"/>
         </a:xfrm>
       </p:grpSpPr>
+      <p:sp>
+        <p:nvSpPr>
+          <p:cNvPr id="33" name="Shape 123">
+            <a:extLst>
+              <a:ext uri="{FF2B5EF4-FFF2-40B4-BE49-F238E27FC236}">
+                <a16:creationId xmlns:a16="http://schemas.microsoft.com/office/drawing/2014/main" id="{BC002EF3-7AD0-9D42-8894-F472BC5979B0}"/>
+              </a:ext>
+            </a:extLst>
+          </p:cNvPr>
+          <p:cNvSpPr/>
+          <p:nvPr/>
+        </p:nvSpPr>
+        <p:spPr>
+          <a:xfrm>
+            <a:off x="13901560" y="12762299"/>
+            <a:ext cx="14450370" cy="452046"/>
+          </a:xfrm>
+          <a:prstGeom prst="rect">
+            <a:avLst/>
+          </a:prstGeom>
+          <a:ln w="12700">
+            <a:miter lim="400000"/>
+          </a:ln>
+          <a:extLst>
+            <a:ext uri="{C572A759-6A51-4108-AA02-DFA0A04FC94B}">
+              <ma14:wrappingTextBoxFlag xmlns:ma14="http://schemas.microsoft.com/office/mac/drawingml/2011/main" xmlns="" val="1"/>
+            </a:ext>
+          </a:extLst>
+        </p:spPr>
+        <p:txBody>
+          <a:bodyPr wrap="square" lIns="71437" tIns="71437" rIns="71437" bIns="71437" anchor="ctr">
+            <a:spAutoFit/>
+          </a:bodyPr>
+          <a:lstStyle/>
+          <a:p>
+            <a:pPr algn="just">
+              <a:defRPr sz="2000" b="0">
+                <a:solidFill>
+                  <a:srgbClr val="919191"/>
+                </a:solidFill>
+                <a:latin typeface="Montserrat Medium"/>
+                <a:ea typeface="Montserrat Medium"/>
+                <a:cs typeface="Montserrat Medium"/>
+                <a:sym typeface="Montserrat Medium"/>
+              </a:defRPr>
+            </a:pPr>
+            <a:r>
+              <a:rPr lang="en-AU" dirty="0"/>
+              <a:t>Image Attribution: </a:t>
+            </a:r>
+            <a:r>
+              <a:rPr lang="en-AU" dirty="0" err="1"/>
+              <a:t>Glodi</a:t>
+            </a:r>
+            <a:r>
+              <a:rPr lang="en-AU" dirty="0"/>
+              <a:t> </a:t>
+            </a:r>
+            <a:r>
+              <a:rPr lang="en-AU" dirty="0" err="1"/>
+              <a:t>Miessi</a:t>
+            </a:r>
+            <a:r>
+              <a:rPr lang="en-AU" dirty="0"/>
+              <a:t>, https://</a:t>
+            </a:r>
+            <a:r>
+              <a:rPr lang="en-AU" dirty="0" err="1"/>
+              <a:t>unsplash.com</a:t>
+            </a:r>
+            <a:r>
+              <a:rPr lang="en-AU" dirty="0"/>
+              <a:t>/photos/AEDL5tCjnFQ</a:t>
+            </a:r>
+          </a:p>
+        </p:txBody>
+      </p:sp>
       <p:pic>
         <p:nvPicPr>
           <p:cNvPr id="35" name="Picture 34">
@@ -11784,100 +11814,6 @@
           </a:prstGeom>
         </p:spPr>
       </p:pic>
-      <p:sp>
-        <p:nvSpPr>
-          <p:cNvPr id="34" name="Shape 123">
-            <a:extLst>
-              <a:ext uri="{FF2B5EF4-FFF2-40B4-BE49-F238E27FC236}">
-                <a16:creationId xmlns:a16="http://schemas.microsoft.com/office/drawing/2014/main" id="{9644E759-7563-D34F-8E62-C9254A27D373}"/>
-              </a:ext>
-            </a:extLst>
-          </p:cNvPr>
-          <p:cNvSpPr/>
-          <p:nvPr/>
-        </p:nvSpPr>
-        <p:spPr>
-          <a:xfrm>
-            <a:off x="15730998" y="12505104"/>
-            <a:ext cx="8133636" cy="759822"/>
-          </a:xfrm>
-          <a:prstGeom prst="rect">
-            <a:avLst/>
-          </a:prstGeom>
-          <a:ln w="12700">
-            <a:miter lim="400000"/>
-          </a:ln>
-          <a:extLst>
-            <a:ext uri="{C572A759-6A51-4108-AA02-DFA0A04FC94B}">
-              <ma14:wrappingTextBoxFlag xmlns:ma14="http://schemas.microsoft.com/office/mac/drawingml/2011/main" xmlns="" val="1"/>
-            </a:ext>
-          </a:extLst>
-        </p:spPr>
-        <p:txBody>
-          <a:bodyPr wrap="none" lIns="71437" tIns="71437" rIns="71437" bIns="71437" anchor="ctr">
-            <a:spAutoFit/>
-          </a:bodyPr>
-          <a:lstStyle/>
-          <a:p>
-            <a:pPr algn="r">
-              <a:defRPr sz="2000" b="0">
-                <a:solidFill>
-                  <a:srgbClr val="919191"/>
-                </a:solidFill>
-                <a:latin typeface="Montserrat Medium"/>
-                <a:ea typeface="Montserrat Medium"/>
-                <a:cs typeface="Montserrat Medium"/>
-                <a:sym typeface="Montserrat Medium"/>
-              </a:defRPr>
-            </a:pPr>
-            <a:r>
-              <a:rPr lang="en-AU" dirty="0"/>
-              <a:t>Image Attribution: </a:t>
-            </a:r>
-            <a:r>
-              <a:rPr lang="en-AU" dirty="0" err="1"/>
-              <a:t>Glodi</a:t>
-            </a:r>
-            <a:r>
-              <a:rPr lang="en-AU" dirty="0"/>
-              <a:t> </a:t>
-            </a:r>
-            <a:r>
-              <a:rPr lang="en-AU" dirty="0" err="1"/>
-              <a:t>Miessi</a:t>
-            </a:r>
-            <a:r>
-              <a:rPr lang="en-AU" dirty="0"/>
-              <a:t>, https://</a:t>
-            </a:r>
-            <a:r>
-              <a:rPr lang="en-AU" dirty="0" err="1"/>
-              <a:t>unsplash.com</a:t>
-            </a:r>
-            <a:r>
-              <a:rPr lang="en-AU" dirty="0"/>
-              <a:t>/photos/</a:t>
-            </a:r>
-          </a:p>
-          <a:p>
-            <a:pPr algn="r">
-              <a:defRPr sz="2000" b="0">
-                <a:solidFill>
-                  <a:srgbClr val="919191"/>
-                </a:solidFill>
-                <a:latin typeface="Montserrat Medium"/>
-                <a:ea typeface="Montserrat Medium"/>
-                <a:cs typeface="Montserrat Medium"/>
-                <a:sym typeface="Montserrat Medium"/>
-              </a:defRPr>
-            </a:pPr>
-            <a:r>
-              <a:rPr lang="en-AU" dirty="0"/>
-              <a:t>AEDL5tCjnFQ</a:t>
-            </a:r>
-          </a:p>
-        </p:txBody>
-      </p:sp>
       <p:sp>
         <p:nvSpPr>
           <p:cNvPr id="152" name="Shape 152"/>
@@ -13518,6 +13454,83 @@
           <a:chExt cx="0" cy="0"/>
         </a:xfrm>
       </p:grpSpPr>
+      <p:sp>
+        <p:nvSpPr>
+          <p:cNvPr id="33" name="Shape 123">
+            <a:extLst>
+              <a:ext uri="{FF2B5EF4-FFF2-40B4-BE49-F238E27FC236}">
+                <a16:creationId xmlns:a16="http://schemas.microsoft.com/office/drawing/2014/main" id="{88AB5099-450A-1744-BC34-8B67B05DA1D2}"/>
+              </a:ext>
+            </a:extLst>
+          </p:cNvPr>
+          <p:cNvSpPr/>
+          <p:nvPr/>
+        </p:nvSpPr>
+        <p:spPr>
+          <a:xfrm>
+            <a:off x="13901560" y="12762299"/>
+            <a:ext cx="14450370" cy="452046"/>
+          </a:xfrm>
+          <a:prstGeom prst="rect">
+            <a:avLst/>
+          </a:prstGeom>
+          <a:ln w="12700">
+            <a:miter lim="400000"/>
+          </a:ln>
+          <a:extLst>
+            <a:ext uri="{C572A759-6A51-4108-AA02-DFA0A04FC94B}">
+              <ma14:wrappingTextBoxFlag xmlns:ma14="http://schemas.microsoft.com/office/mac/drawingml/2011/main" xmlns="" val="1"/>
+            </a:ext>
+          </a:extLst>
+        </p:spPr>
+        <p:txBody>
+          <a:bodyPr wrap="square" lIns="71437" tIns="71437" rIns="71437" bIns="71437" anchor="ctr">
+            <a:spAutoFit/>
+          </a:bodyPr>
+          <a:lstStyle/>
+          <a:p>
+            <a:pPr algn="just">
+              <a:defRPr sz="2000" b="0">
+                <a:solidFill>
+                  <a:srgbClr val="919191"/>
+                </a:solidFill>
+                <a:latin typeface="Montserrat Medium"/>
+                <a:ea typeface="Montserrat Medium"/>
+                <a:cs typeface="Montserrat Medium"/>
+                <a:sym typeface="Montserrat Medium"/>
+              </a:defRPr>
+            </a:pPr>
+            <a:r>
+              <a:rPr lang="en-AU" dirty="0"/>
+              <a:t>Image Attribution: </a:t>
+            </a:r>
+            <a:r>
+              <a:rPr lang="en-AU" dirty="0" err="1"/>
+              <a:t>Glodi</a:t>
+            </a:r>
+            <a:r>
+              <a:rPr lang="en-AU" dirty="0"/>
+              <a:t> </a:t>
+            </a:r>
+            <a:r>
+              <a:rPr lang="en-AU" dirty="0" err="1"/>
+              <a:t>Miessi</a:t>
+            </a:r>
+            <a:r>
+              <a:rPr lang="en-AU" dirty="0"/>
+              <a:t>, https://</a:t>
+            </a:r>
+            <a:r>
+              <a:rPr lang="en-AU" dirty="0" err="1"/>
+              <a:t>unsplash.com</a:t>
+            </a:r>
+            <a:r>
+              <a:rPr lang="en-AU" dirty="0"/>
+              <a:t>/photos/AEDL5tCjnFQ</a:t>
+            </a:r>
+          </a:p>
+        </p:txBody>
+      </p:sp>
       <p:pic>
         <p:nvPicPr>
           <p:cNvPr id="35" name="Picture 34">
@@ -13548,100 +13561,6 @@
           </a:prstGeom>
         </p:spPr>
       </p:pic>
-      <p:sp>
-        <p:nvSpPr>
-          <p:cNvPr id="34" name="Shape 123">
-            <a:extLst>
-              <a:ext uri="{FF2B5EF4-FFF2-40B4-BE49-F238E27FC236}">
-                <a16:creationId xmlns:a16="http://schemas.microsoft.com/office/drawing/2014/main" id="{9644E759-7563-D34F-8E62-C9254A27D373}"/>
-              </a:ext>
-            </a:extLst>
-          </p:cNvPr>
-          <p:cNvSpPr/>
-          <p:nvPr/>
-        </p:nvSpPr>
-        <p:spPr>
-          <a:xfrm>
-            <a:off x="15730998" y="12505104"/>
-            <a:ext cx="8133636" cy="759822"/>
-          </a:xfrm>
-          <a:prstGeom prst="rect">
-            <a:avLst/>
-          </a:prstGeom>
-          <a:ln w="12700">
-            <a:miter lim="400000"/>
-          </a:ln>
-          <a:extLst>
-            <a:ext uri="{C572A759-6A51-4108-AA02-DFA0A04FC94B}">
-              <ma14:wrappingTextBoxFlag xmlns="" xmlns:ma14="http://schemas.microsoft.com/office/mac/drawingml/2011/main" val="1"/>
-            </a:ext>
-          </a:extLst>
-        </p:spPr>
-        <p:txBody>
-          <a:bodyPr wrap="none" lIns="71437" tIns="71437" rIns="71437" bIns="71437" anchor="ctr">
-            <a:spAutoFit/>
-          </a:bodyPr>
-          <a:lstStyle/>
-          <a:p>
-            <a:pPr algn="r">
-              <a:defRPr sz="2000" b="0">
-                <a:solidFill>
-                  <a:srgbClr val="919191"/>
-                </a:solidFill>
-                <a:latin typeface="Montserrat Medium"/>
-                <a:ea typeface="Montserrat Medium"/>
-                <a:cs typeface="Montserrat Medium"/>
-                <a:sym typeface="Montserrat Medium"/>
-              </a:defRPr>
-            </a:pPr>
-            <a:r>
-              <a:rPr lang="en-AU" dirty="0"/>
-              <a:t>Image Attribution: </a:t>
-            </a:r>
-            <a:r>
-              <a:rPr lang="en-AU" dirty="0" err="1"/>
-              <a:t>Glodi</a:t>
-            </a:r>
-            <a:r>
-              <a:rPr lang="en-AU" dirty="0"/>
-              <a:t> </a:t>
-            </a:r>
-            <a:r>
-              <a:rPr lang="en-AU" dirty="0" err="1"/>
-              <a:t>Miessi</a:t>
-            </a:r>
-            <a:r>
-              <a:rPr lang="en-AU" dirty="0"/>
-              <a:t>, https://</a:t>
-            </a:r>
-            <a:r>
-              <a:rPr lang="en-AU" dirty="0" err="1"/>
-              <a:t>unsplash.com</a:t>
-            </a:r>
-            <a:r>
-              <a:rPr lang="en-AU" dirty="0"/>
-              <a:t>/photos/</a:t>
-            </a:r>
-          </a:p>
-          <a:p>
-            <a:pPr algn="r">
-              <a:defRPr sz="2000" b="0">
-                <a:solidFill>
-                  <a:srgbClr val="919191"/>
-                </a:solidFill>
-                <a:latin typeface="Montserrat Medium"/>
-                <a:ea typeface="Montserrat Medium"/>
-                <a:cs typeface="Montserrat Medium"/>
-                <a:sym typeface="Montserrat Medium"/>
-              </a:defRPr>
-            </a:pPr>
-            <a:r>
-              <a:rPr lang="en-AU" dirty="0"/>
-              <a:t>AEDL5tCjnFQ</a:t>
-            </a:r>
-          </a:p>
-        </p:txBody>
-      </p:sp>
       <p:sp>
         <p:nvSpPr>
           <p:cNvPr id="152" name="Shape 152"/>
